--- a/CAD/Electronics/Electronics - KiCad files/Figure editing/Figure editing.pptx
+++ b/CAD/Electronics/Electronics - KiCad files/Figure editing/Figure editing.pptx
@@ -3336,6 +3336,106 @@
           </a:p>
         </p:txBody>
       </p:sp>
+      <p:grpSp>
+        <p:nvGrpSpPr>
+          <p:cNvPr id="3" name="Group 2"/>
+          <p:cNvGrpSpPr/>
+          <p:nvPr/>
+        </p:nvGrpSpPr>
+        <p:grpSpPr>
+          <a:xfrm>
+            <a:off x="648072" y="8390153"/>
+            <a:ext cx="7466493" cy="826871"/>
+            <a:chOff x="864096" y="8390153"/>
+            <a:chExt cx="7466493" cy="826871"/>
+          </a:xfrm>
+        </p:grpSpPr>
+        <p:pic>
+          <p:nvPicPr>
+            <p:cNvPr id="2" name="Picture 1"/>
+            <p:cNvPicPr>
+              <a:picLocks noChangeAspect="1"/>
+            </p:cNvPicPr>
+            <p:nvPr/>
+          </p:nvPicPr>
+          <p:blipFill>
+            <a:blip r:embed="rId8">
+              <a:extLst>
+                <a:ext uri="{28A0092B-C50C-407E-A947-70E740481C1C}">
+                  <a14:useLocalDpi xmlns:a14="http://schemas.microsoft.com/office/drawing/2010/main" val="0"/>
+                </a:ext>
+              </a:extLst>
+            </a:blip>
+            <a:stretch>
+              <a:fillRect/>
+            </a:stretch>
+          </p:blipFill>
+          <p:spPr>
+            <a:xfrm>
+              <a:off x="864096" y="8390153"/>
+              <a:ext cx="1800200" cy="705678"/>
+            </a:xfrm>
+            <a:prstGeom prst="rect">
+              <a:avLst/>
+            </a:prstGeom>
+          </p:spPr>
+        </p:pic>
+        <p:sp>
+          <p:nvSpPr>
+            <p:cNvPr id="19" name="TextBox 18"/>
+            <p:cNvSpPr txBox="1"/>
+            <p:nvPr/>
+          </p:nvSpPr>
+          <p:spPr>
+            <a:xfrm>
+              <a:off x="2304256" y="8693804"/>
+              <a:ext cx="6026333" cy="523220"/>
+            </a:xfrm>
+            <a:prstGeom prst="rect">
+              <a:avLst/>
+            </a:prstGeom>
+            <a:noFill/>
+          </p:spPr>
+          <p:txBody>
+            <a:bodyPr wrap="square" rtlCol="0">
+              <a:spAutoFit/>
+            </a:bodyPr>
+            <a:lstStyle/>
+            <a:p>
+              <a:pPr algn="ctr"/>
+              <a:r>
+                <a:rPr lang="en-GB" sz="2800" b="1" dirty="0" smtClean="0">
+                  <a:solidFill>
+                    <a:srgbClr val="FF0000"/>
+                  </a:solidFill>
+                </a:rPr>
+                <a:t>Click image for link to </a:t>
+              </a:r>
+              <a:r>
+                <a:rPr lang="en-GB" sz="2800" b="1" dirty="0" err="1" smtClean="0">
+                  <a:solidFill>
+                    <a:srgbClr val="FF0000"/>
+                  </a:solidFill>
+                </a:rPr>
+                <a:t>KiCad</a:t>
+              </a:r>
+              <a:r>
+                <a:rPr lang="en-GB" sz="2800" b="1" dirty="0" smtClean="0">
+                  <a:solidFill>
+                    <a:srgbClr val="FF0000"/>
+                  </a:solidFill>
+                </a:rPr>
+                <a:t> files</a:t>
+              </a:r>
+              <a:endParaRPr lang="en-GB" sz="2800" b="1" dirty="0">
+                <a:solidFill>
+                  <a:srgbClr val="FF0000"/>
+                </a:solidFill>
+              </a:endParaRPr>
+            </a:p>
+          </p:txBody>
+        </p:sp>
+      </p:grpSp>
     </p:spTree>
     <p:extLst>
       <p:ext uri="{BB962C8B-B14F-4D97-AF65-F5344CB8AC3E}">
